--- a/STISTV-AAS232.pptx
+++ b/STISTV-AAS232.pptx
@@ -197,7 +197,7 @@
           <a:p>
             <a:fld id="{F4BDADFF-9AB2-DB48-BD1A-FBD1CF4AFAFE}" type="datetimeFigureOut">
               <a:rPr lang="en-US" smtClean="0"/>
-              <a:t>5/18/18</a:t>
+              <a:t>5/21/18</a:t>
             </a:fld>
             <a:endParaRPr lang="en-US" dirty="0"/>
           </a:p>
@@ -704,7 +704,7 @@
           <a:p>
             <a:fld id="{332CC413-8379-874E-976B-1979310684A5}" type="datetimeFigureOut">
               <a:rPr lang="en-US" smtClean="0"/>
-              <a:t>5/18/18</a:t>
+              <a:t>5/21/18</a:t>
             </a:fld>
             <a:endParaRPr lang="en-US" dirty="0"/>
           </a:p>
@@ -874,7 +874,7 @@
           <a:p>
             <a:fld id="{332CC413-8379-874E-976B-1979310684A5}" type="datetimeFigureOut">
               <a:rPr lang="en-US" smtClean="0"/>
-              <a:t>5/18/18</a:t>
+              <a:t>5/21/18</a:t>
             </a:fld>
             <a:endParaRPr lang="en-US" dirty="0"/>
           </a:p>
@@ -1049,7 +1049,7 @@
           <a:p>
             <a:fld id="{332CC413-8379-874E-976B-1979310684A5}" type="datetimeFigureOut">
               <a:rPr lang="en-US" smtClean="0"/>
-              <a:t>5/18/18</a:t>
+              <a:t>5/21/18</a:t>
             </a:fld>
             <a:endParaRPr lang="en-US" dirty="0"/>
           </a:p>
@@ -1219,7 +1219,7 @@
           <a:p>
             <a:fld id="{332CC413-8379-874E-976B-1979310684A5}" type="datetimeFigureOut">
               <a:rPr lang="en-US" smtClean="0"/>
-              <a:t>5/18/18</a:t>
+              <a:t>5/21/18</a:t>
             </a:fld>
             <a:endParaRPr lang="en-US" dirty="0"/>
           </a:p>
@@ -1474,7 +1474,7 @@
           <a:p>
             <a:fld id="{332CC413-8379-874E-976B-1979310684A5}" type="datetimeFigureOut">
               <a:rPr lang="en-US" smtClean="0"/>
-              <a:t>5/18/18</a:t>
+              <a:t>5/21/18</a:t>
             </a:fld>
             <a:endParaRPr lang="en-US" dirty="0"/>
           </a:p>
@@ -1706,7 +1706,7 @@
           <a:p>
             <a:fld id="{332CC413-8379-874E-976B-1979310684A5}" type="datetimeFigureOut">
               <a:rPr lang="en-US" smtClean="0"/>
-              <a:t>5/18/18</a:t>
+              <a:t>5/21/18</a:t>
             </a:fld>
             <a:endParaRPr lang="en-US" dirty="0"/>
           </a:p>
@@ -2060,7 +2060,7 @@
           <a:p>
             <a:fld id="{332CC413-8379-874E-976B-1979310684A5}" type="datetimeFigureOut">
               <a:rPr lang="en-US" smtClean="0"/>
-              <a:t>5/18/18</a:t>
+              <a:t>5/21/18</a:t>
             </a:fld>
             <a:endParaRPr lang="en-US" dirty="0"/>
           </a:p>
@@ -2196,7 +2196,7 @@
           <a:p>
             <a:fld id="{332CC413-8379-874E-976B-1979310684A5}" type="datetimeFigureOut">
               <a:rPr lang="en-US" smtClean="0"/>
-              <a:t>5/18/18</a:t>
+              <a:t>5/21/18</a:t>
             </a:fld>
             <a:endParaRPr lang="en-US" dirty="0"/>
           </a:p>
@@ -2286,7 +2286,7 @@
           <a:p>
             <a:fld id="{332CC413-8379-874E-976B-1979310684A5}" type="datetimeFigureOut">
               <a:rPr lang="en-US" smtClean="0"/>
-              <a:t>5/18/18</a:t>
+              <a:t>5/21/18</a:t>
             </a:fld>
             <a:endParaRPr lang="en-US" dirty="0"/>
           </a:p>
@@ -2643,7 +2643,7 @@
           <a:p>
             <a:fld id="{332CC413-8379-874E-976B-1979310684A5}" type="datetimeFigureOut">
               <a:rPr lang="en-US" smtClean="0"/>
-              <a:t>5/18/18</a:t>
+              <a:t>5/21/18</a:t>
             </a:fld>
             <a:endParaRPr lang="en-US" dirty="0"/>
           </a:p>
@@ -3002,7 +3002,7 @@
           <a:p>
             <a:fld id="{332CC413-8379-874E-976B-1979310684A5}" type="datetimeFigureOut">
               <a:rPr lang="en-US" smtClean="0"/>
-              <a:t>5/18/18</a:t>
+              <a:t>5/21/18</a:t>
             </a:fld>
             <a:endParaRPr lang="en-US" dirty="0"/>
           </a:p>
@@ -3235,7 +3235,7 @@
           <a:p>
             <a:fld id="{332CC413-8379-874E-976B-1979310684A5}" type="datetimeFigureOut">
               <a:rPr lang="en-US" smtClean="0"/>
-              <a:t>5/18/18</a:t>
+              <a:t>5/21/18</a:t>
             </a:fld>
             <a:endParaRPr lang="en-US" dirty="0"/>
           </a:p>
@@ -4410,26 +4410,7 @@
                 <a:ea typeface="Helvetica" charset="0"/>
                 <a:cs typeface="Helvetica" charset="0"/>
               </a:rPr>
-              <a:t>Doug </a:t>
-            </a:r>
-            <a:r>
-              <a:rPr lang="en-US" sz="5400" dirty="0" smtClean="0">
-                <a:ln w="0"/>
-                <a:solidFill>
-                  <a:schemeClr val="bg1"/>
-                </a:solidFill>
-                <a:effectLst>
-                  <a:outerShdw blurRad="38100" dist="19050" dir="2700000" algn="tl" rotWithShape="0">
-                    <a:schemeClr val="dk1">
-                      <a:alpha val="0"/>
-                    </a:schemeClr>
-                  </a:outerShdw>
-                </a:effectLst>
-                <a:latin typeface="Helvetica" charset="0"/>
-                <a:ea typeface="Helvetica" charset="0"/>
-                <a:cs typeface="Helvetica" charset="0"/>
-              </a:rPr>
-              <a:t>Branton</a:t>
+              <a:t>Doug Branton</a:t>
             </a:r>
             <a:endParaRPr lang="en-US" sz="5400" i="1" dirty="0">
               <a:ln w="0"/>
@@ -4491,40 +4472,7 @@
                 <a:ea typeface="Helvetica" charset="0"/>
                 <a:cs typeface="Helvetica" charset="0"/>
               </a:rPr>
-              <a:t>Since </a:t>
-            </a:r>
-            <a:r>
-              <a:rPr lang="en-US" sz="2800" dirty="0" smtClean="0">
-                <a:solidFill>
-                  <a:schemeClr val="bg1"/>
-                </a:solidFill>
-                <a:latin typeface="Helvetica" charset="0"/>
-                <a:ea typeface="Helvetica" charset="0"/>
-                <a:cs typeface="Helvetica" charset="0"/>
-              </a:rPr>
-              <a:t>July 2001, the Space Telescope Imaging Spectrograph (STIS) onboard </a:t>
-            </a:r>
-            <a:r>
-              <a:rPr lang="en-US" sz="2800" dirty="0" smtClean="0">
-                <a:solidFill>
-                  <a:schemeClr val="bg1"/>
-                </a:solidFill>
-                <a:latin typeface="Helvetica" charset="0"/>
-                <a:ea typeface="Helvetica" charset="0"/>
-                <a:cs typeface="Helvetica" charset="0"/>
-              </a:rPr>
-              <a:t>the Hubble Space Telescope </a:t>
-            </a:r>
-            <a:r>
-              <a:rPr lang="en-US" sz="2800" dirty="0" smtClean="0">
-                <a:solidFill>
-                  <a:schemeClr val="bg1"/>
-                </a:solidFill>
-                <a:latin typeface="Helvetica" charset="0"/>
-                <a:ea typeface="Helvetica" charset="0"/>
-                <a:cs typeface="Helvetica" charset="0"/>
-              </a:rPr>
-              <a:t>has operated on its Side-2 electronics due to a failure in the primary Side-1 electronics. While nearly identical, Side-2 lacks a functioning temperature sensor for the CCD, introducing a variability in the CCD operating temperature. Previous analysis utilized the CCD housing temperature telemetry to characterize the relationship between the housing temperature and the dark rate. It was found that a first-order 7%/</a:t>
+              <a:t>Since July 2001, the Space Telescope Imaging Spectrograph (STIS) onboard the Hubble Space Telescope has operated on its Side-2 electronics due to a failure in the primary Side-1 electronics. While nearly identical, Side-2 lacks a functioning temperature sensor for the CCD, introducing a variability in the CCD operating temperature. Previous analysis utilized the CCD housing temperature telemetry to characterize the relationship between the housing temperature and the dark rate. It was found that a first-order 7%/</a:t>
             </a:r>
             <a:r>
               <a:rPr lang="it-IT" sz="2800" dirty="0" smtClean="0">
@@ -4697,15 +4645,7 @@
                 <a:ea typeface="Helvetica" charset="0"/>
                 <a:cs typeface="Helvetica" charset="0"/>
               </a:rPr>
-              <a:t>1. </a:t>
-            </a:r>
-            <a:r>
-              <a:rPr lang="en-US" sz="4000" b="1" dirty="0" smtClean="0">
-                <a:latin typeface="Helvetica" charset="0"/>
-                <a:ea typeface="Helvetica" charset="0"/>
-                <a:cs typeface="Helvetica" charset="0"/>
-              </a:rPr>
-              <a:t>History of the CCD Dark Rate Temperature Sensitivity</a:t>
+              <a:t>1. History of the CCD Dark Rate Temperature Sensitivity</a:t>
             </a:r>
             <a:endParaRPr lang="en-US" sz="4000" b="1" dirty="0">
               <a:latin typeface="Helvetica" charset="0"/>
@@ -4897,14 +4837,6 @@
               </a:rPr>
               <a:t>The sensitivity of the CCD dark rate to changes in temperature was, itself, dependent on the dark rate. The current temperature correction is a 7%/°C “first-order” correction from the reference temperature (18°C), applied uniformly to all pixels on the detector. It was chosen as it represents the middle point of the “scale value curve”.</a:t>
             </a:r>
-            <a:endParaRPr lang="en-US" sz="2400" dirty="0" smtClean="0">
-              <a:solidFill>
-                <a:schemeClr val="bg1"/>
-              </a:solidFill>
-              <a:latin typeface="Helvetica" charset="0"/>
-              <a:ea typeface="Helvetica" charset="0"/>
-              <a:cs typeface="Helvetica" charset="0"/>
-            </a:endParaRPr>
           </a:p>
         </p:txBody>
       </p:sp>
@@ -5019,18 +4951,7 @@
                 <a:ea typeface="Helvetica" charset="0"/>
                 <a:cs typeface="Helvetica" charset="0"/>
               </a:rPr>
-              <a:t>A </a:t>
-            </a:r>
-            <a:r>
-              <a:rPr lang="en-US" sz="2400" dirty="0" smtClean="0">
-                <a:solidFill>
-                  <a:schemeClr val="bg1"/>
-                </a:solidFill>
-                <a:latin typeface="Helvetica" charset="0"/>
-                <a:ea typeface="Helvetica" charset="0"/>
-                <a:cs typeface="Helvetica" charset="0"/>
-              </a:rPr>
-              <a:t>historical survey of the temperature sensitivity reveals several time-dependent characteristics of the detector.</a:t>
+              <a:t>A historical survey of the temperature sensitivity reveals several time-dependent characteristics of the detector.</a:t>
             </a:r>
           </a:p>
           <a:p>
@@ -5068,18 +4989,7 @@
                 <a:ea typeface="Helvetica" charset="0"/>
                 <a:cs typeface="Helvetica" charset="0"/>
               </a:rPr>
-              <a:t>Colder dark rates exhibit much more time-dependent variability than their warmer counterparts</a:t>
-            </a:r>
-            <a:r>
-              <a:rPr lang="en-US" sz="2400" dirty="0" smtClean="0">
-                <a:solidFill>
-                  <a:schemeClr val="bg1"/>
-                </a:solidFill>
-                <a:latin typeface="Helvetica" charset="0"/>
-                <a:ea typeface="Helvetica" charset="0"/>
-                <a:cs typeface="Helvetica" charset="0"/>
-              </a:rPr>
-              <a:t>.</a:t>
+              <a:t>Colder dark rates exhibit much more time-dependent variability than their warmer counterparts.</a:t>
             </a:r>
           </a:p>
           <a:p>
@@ -5121,18 +5031,7 @@
                 <a:ea typeface="Helvetica" charset="0"/>
                 <a:cs typeface="Helvetica" charset="0"/>
               </a:rPr>
-              <a:t>Colder dark </a:t>
-            </a:r>
-            <a:r>
-              <a:rPr lang="en-US" sz="2400" dirty="0" smtClean="0">
-                <a:solidFill>
-                  <a:schemeClr val="bg1"/>
-                </a:solidFill>
-                <a:latin typeface="Helvetica" charset="0"/>
-                <a:ea typeface="Helvetica" charset="0"/>
-                <a:cs typeface="Helvetica" charset="0"/>
-              </a:rPr>
-              <a:t>rates experienced a ~2</a:t>
+              <a:t>Colder dark rates experienced a ~2</a:t>
             </a:r>
             <a:r>
               <a:rPr lang="it-IT" sz="2400" dirty="0" smtClean="0">
@@ -5318,15 +5217,7 @@
                 <a:ea typeface="Helvetica" charset="0"/>
                 <a:cs typeface="Helvetica" charset="0"/>
               </a:rPr>
-              <a:t>3. Correction Method </a:t>
-            </a:r>
-            <a:r>
-              <a:rPr lang="en-US" sz="4000" b="1" dirty="0" smtClean="0">
-                <a:latin typeface="Helvetica" charset="0"/>
-                <a:ea typeface="Helvetica" charset="0"/>
-                <a:cs typeface="Helvetica" charset="0"/>
-              </a:rPr>
-              <a:t>Comparison</a:t>
+              <a:t>3. Correction Method Comparison</a:t>
             </a:r>
             <a:endParaRPr lang="en-US" sz="4000" b="1" dirty="0">
               <a:latin typeface="Helvetica" charset="0"/>
@@ -5372,18 +5263,7 @@
                 <a:ea typeface="Helvetica" charset="0"/>
                 <a:cs typeface="Helvetica" charset="0"/>
               </a:rPr>
-              <a:t>Accounting for Dark Rate and Time Dependence</a:t>
-            </a:r>
-            <a:r>
-              <a:rPr lang="en-US" sz="2800" b="1" dirty="0" smtClean="0">
-                <a:solidFill>
-                  <a:schemeClr val="bg1"/>
-                </a:solidFill>
-                <a:latin typeface="Helvetica" charset="0"/>
-                <a:ea typeface="Helvetica" charset="0"/>
-                <a:cs typeface="Helvetica" charset="0"/>
-              </a:rPr>
-              <a:t>:</a:t>
+              <a:t>Accounting for Dark Rate and Time Dependence:</a:t>
             </a:r>
             <a:endParaRPr lang="en-US" sz="2400" dirty="0" smtClean="0">
               <a:solidFill>
@@ -5548,10 +5428,12 @@
                 <a:ea typeface="Helvetica" charset="0"/>
                 <a:cs typeface="Helvetica" charset="0"/>
               </a:rPr>
-              <a:t>Science </a:t>
-            </a:r>
-            <a:r>
-              <a:rPr lang="en-US" sz="2800" b="1" dirty="0" smtClean="0">
+              <a:t>Science Impact:</a:t>
+            </a:r>
+          </a:p>
+          <a:p>
+            <a:r>
+              <a:rPr lang="en-US" sz="2400" dirty="0" smtClean="0">
                 <a:solidFill>
                   <a:schemeClr val="bg1"/>
                 </a:solidFill>
@@ -5559,20 +5441,10 @@
                 <a:ea typeface="Helvetica" charset="0"/>
                 <a:cs typeface="Helvetica" charset="0"/>
               </a:rPr>
-              <a:t>Impact:</a:t>
-            </a:r>
-            <a:endParaRPr lang="en-US" sz="2800" b="1" dirty="0" smtClean="0">
-              <a:solidFill>
-                <a:schemeClr val="bg1"/>
-              </a:solidFill>
-              <a:latin typeface="Helvetica" charset="0"/>
-              <a:ea typeface="Helvetica" charset="0"/>
-              <a:cs typeface="Helvetica" charset="0"/>
-            </a:endParaRPr>
-          </a:p>
-          <a:p>
-            <a:r>
-              <a:rPr lang="en-US" sz="2400" dirty="0" smtClean="0">
+              <a:t>At long exposure times and high temperatures, the performance impact of the second-order method is maximized. Here at t=1100s, it removes ~1.5 additional dark counts per pixel. The benefit for a typical STIS observation (~20.5°C and t &lt; 500s) is much smaller, with only a 2% difference between the two methods. </a:t>
+            </a:r>
+            <a:r>
+              <a:rPr lang="en-US" sz="2400" b="1" dirty="0" smtClean="0">
                 <a:solidFill>
                   <a:schemeClr val="bg1"/>
                 </a:solidFill>
@@ -5580,161 +5452,7 @@
                 <a:ea typeface="Helvetica" charset="0"/>
                 <a:cs typeface="Helvetica" charset="0"/>
               </a:rPr>
-              <a:t>At long exposure times and high temperatures, the performance impact of the second-order method is maximized. Here at </a:t>
-            </a:r>
-            <a:r>
-              <a:rPr lang="en-US" sz="2400" dirty="0" smtClean="0">
-                <a:solidFill>
-                  <a:schemeClr val="bg1"/>
-                </a:solidFill>
-                <a:latin typeface="Helvetica" charset="0"/>
-                <a:ea typeface="Helvetica" charset="0"/>
-                <a:cs typeface="Helvetica" charset="0"/>
-              </a:rPr>
-              <a:t>t=1100s</a:t>
-            </a:r>
-            <a:r>
-              <a:rPr lang="en-US" sz="2400" dirty="0" smtClean="0">
-                <a:solidFill>
-                  <a:schemeClr val="bg1"/>
-                </a:solidFill>
-                <a:latin typeface="Helvetica" charset="0"/>
-                <a:ea typeface="Helvetica" charset="0"/>
-                <a:cs typeface="Helvetica" charset="0"/>
-              </a:rPr>
-              <a:t>, it removes </a:t>
-            </a:r>
-            <a:r>
-              <a:rPr lang="en-US" sz="2400" dirty="0" smtClean="0">
-                <a:solidFill>
-                  <a:schemeClr val="bg1"/>
-                </a:solidFill>
-                <a:latin typeface="Helvetica" charset="0"/>
-                <a:ea typeface="Helvetica" charset="0"/>
-                <a:cs typeface="Helvetica" charset="0"/>
-              </a:rPr>
-              <a:t>~1.5</a:t>
-            </a:r>
-            <a:r>
-              <a:rPr lang="en-US" sz="2400" dirty="0" smtClean="0">
-                <a:solidFill>
-                  <a:schemeClr val="bg1"/>
-                </a:solidFill>
-                <a:latin typeface="Helvetica" charset="0"/>
-                <a:ea typeface="Helvetica" charset="0"/>
-                <a:cs typeface="Helvetica" charset="0"/>
-              </a:rPr>
-              <a:t> </a:t>
-            </a:r>
-            <a:r>
-              <a:rPr lang="en-US" sz="2400" dirty="0" smtClean="0">
-                <a:solidFill>
-                  <a:schemeClr val="bg1"/>
-                </a:solidFill>
-                <a:latin typeface="Helvetica" charset="0"/>
-                <a:ea typeface="Helvetica" charset="0"/>
-                <a:cs typeface="Helvetica" charset="0"/>
-              </a:rPr>
-              <a:t>additional dark </a:t>
-            </a:r>
-            <a:r>
-              <a:rPr lang="en-US" sz="2400" dirty="0" smtClean="0">
-                <a:solidFill>
-                  <a:schemeClr val="bg1"/>
-                </a:solidFill>
-                <a:latin typeface="Helvetica" charset="0"/>
-                <a:ea typeface="Helvetica" charset="0"/>
-                <a:cs typeface="Helvetica" charset="0"/>
-              </a:rPr>
-              <a:t>counts </a:t>
-            </a:r>
-            <a:r>
-              <a:rPr lang="en-US" sz="2400" dirty="0" smtClean="0">
-                <a:solidFill>
-                  <a:schemeClr val="bg1"/>
-                </a:solidFill>
-                <a:latin typeface="Helvetica" charset="0"/>
-                <a:ea typeface="Helvetica" charset="0"/>
-                <a:cs typeface="Helvetica" charset="0"/>
-              </a:rPr>
-              <a:t>per pixel. The benefit for a typical STIS </a:t>
-            </a:r>
-            <a:r>
-              <a:rPr lang="en-US" sz="2400" dirty="0" smtClean="0">
-                <a:solidFill>
-                  <a:schemeClr val="bg1"/>
-                </a:solidFill>
-                <a:latin typeface="Helvetica" charset="0"/>
-                <a:ea typeface="Helvetica" charset="0"/>
-                <a:cs typeface="Helvetica" charset="0"/>
-              </a:rPr>
-              <a:t>observation </a:t>
-            </a:r>
-            <a:r>
-              <a:rPr lang="en-US" sz="2400" dirty="0" smtClean="0">
-                <a:solidFill>
-                  <a:schemeClr val="bg1"/>
-                </a:solidFill>
-                <a:latin typeface="Helvetica" charset="0"/>
-                <a:ea typeface="Helvetica" charset="0"/>
-                <a:cs typeface="Helvetica" charset="0"/>
-              </a:rPr>
-              <a:t>(~20.5°C and t &lt; 500s) </a:t>
-            </a:r>
-            <a:r>
-              <a:rPr lang="en-US" sz="2400" dirty="0" smtClean="0">
-                <a:solidFill>
-                  <a:schemeClr val="bg1"/>
-                </a:solidFill>
-                <a:latin typeface="Helvetica" charset="0"/>
-                <a:ea typeface="Helvetica" charset="0"/>
-                <a:cs typeface="Helvetica" charset="0"/>
-              </a:rPr>
-              <a:t>is </a:t>
-            </a:r>
-            <a:r>
-              <a:rPr lang="en-US" sz="2400" dirty="0" smtClean="0">
-                <a:solidFill>
-                  <a:schemeClr val="bg1"/>
-                </a:solidFill>
-                <a:latin typeface="Helvetica" charset="0"/>
-                <a:ea typeface="Helvetica" charset="0"/>
-                <a:cs typeface="Helvetica" charset="0"/>
-              </a:rPr>
-              <a:t>much </a:t>
-            </a:r>
-            <a:r>
-              <a:rPr lang="en-US" sz="2400" dirty="0" smtClean="0">
-                <a:solidFill>
-                  <a:schemeClr val="bg1"/>
-                </a:solidFill>
-                <a:latin typeface="Helvetica" charset="0"/>
-                <a:ea typeface="Helvetica" charset="0"/>
-                <a:cs typeface="Helvetica" charset="0"/>
-              </a:rPr>
-              <a:t>smaller, with only a 2% difference between the two methods. </a:t>
-            </a:r>
-            <a:r>
-              <a:rPr lang="en-US" sz="2400" b="1" dirty="0" smtClean="0">
-                <a:solidFill>
-                  <a:schemeClr val="bg1"/>
-                </a:solidFill>
-                <a:latin typeface="Helvetica" charset="0"/>
-                <a:ea typeface="Helvetica" charset="0"/>
-                <a:cs typeface="Helvetica" charset="0"/>
-              </a:rPr>
-              <a:t>This indicates that, ove</a:t>
-            </a:r>
-            <a:r>
-              <a:rPr lang="en-US" sz="2400" b="1" dirty="0" smtClean="0">
-                <a:solidFill>
-                  <a:schemeClr val="bg1"/>
-                </a:solidFill>
-                <a:latin typeface="Helvetica" charset="0"/>
-                <a:ea typeface="Helvetica" charset="0"/>
-                <a:cs typeface="Helvetica" charset="0"/>
-              </a:rPr>
-              <a:t>r the history of STIS Side-2, the first-order correction has performed at a satisfactory level for the vast majority of STIS observations </a:t>
+              <a:t>This indicates that, over the history of STIS Side-2, the first-order correction has performed at a satisfactory level for the vast majority of STIS observations </a:t>
             </a:r>
             <a:endParaRPr lang="en-US" sz="2400" dirty="0">
               <a:solidFill>

--- a/STISTV-AAS232.pptx
+++ b/STISTV-AAS232.pptx
@@ -5178,7 +5178,7 @@
         </p:blipFill>
         <p:spPr>
           <a:xfrm>
-            <a:off x="20405230" y="26908998"/>
+            <a:off x="20516740" y="26937173"/>
             <a:ext cx="5393914" cy="5238812"/>
           </a:xfrm>
           <a:prstGeom prst="rect">
@@ -5441,7 +5441,51 @@
                 <a:ea typeface="Helvetica" charset="0"/>
                 <a:cs typeface="Helvetica" charset="0"/>
               </a:rPr>
-              <a:t>At long exposure times and high temperatures, the performance impact of the second-order method is maximized. Here at t=1100s, it removes ~1.5 additional dark counts per pixel. The benefit for a typical STIS observation (~20.5°C and t &lt; 500s) is much smaller, with only a 2% difference between the two methods. </a:t>
+              <a:t>At long exposure times and high temperatures, the </a:t>
+            </a:r>
+            <a:r>
+              <a:rPr lang="en-US" sz="2400" smtClean="0">
+                <a:solidFill>
+                  <a:schemeClr val="bg1"/>
+                </a:solidFill>
+                <a:latin typeface="Helvetica" charset="0"/>
+                <a:ea typeface="Helvetica" charset="0"/>
+                <a:cs typeface="Helvetica" charset="0"/>
+              </a:rPr>
+              <a:t>performance </a:t>
+            </a:r>
+            <a:r>
+              <a:rPr lang="en-US" sz="2400" smtClean="0">
+                <a:solidFill>
+                  <a:schemeClr val="bg1"/>
+                </a:solidFill>
+                <a:latin typeface="Helvetica" charset="0"/>
+                <a:ea typeface="Helvetica" charset="0"/>
+                <a:cs typeface="Helvetica" charset="0"/>
+              </a:rPr>
+              <a:t>benefit</a:t>
+            </a:r>
+            <a:r>
+              <a:rPr lang="en-US" sz="2400" smtClean="0">
+                <a:solidFill>
+                  <a:schemeClr val="bg1"/>
+                </a:solidFill>
+                <a:latin typeface="Helvetica" charset="0"/>
+                <a:ea typeface="Helvetica" charset="0"/>
+                <a:cs typeface="Helvetica" charset="0"/>
+              </a:rPr>
+              <a:t> </a:t>
+            </a:r>
+            <a:r>
+              <a:rPr lang="en-US" sz="2400" dirty="0" smtClean="0">
+                <a:solidFill>
+                  <a:schemeClr val="bg1"/>
+                </a:solidFill>
+                <a:latin typeface="Helvetica" charset="0"/>
+                <a:ea typeface="Helvetica" charset="0"/>
+                <a:cs typeface="Helvetica" charset="0"/>
+              </a:rPr>
+              <a:t>of the second-order method is maximized. Here at t=1100s, it removes ~1.5 additional dark counts per pixel. The benefit for a typical STIS observation (~20.5°C and t &lt; 500s) is much smaller, with only a 2% difference between the two methods. </a:t>
             </a:r>
             <a:r>
               <a:rPr lang="en-US" sz="2400" b="1" dirty="0" smtClean="0">

--- a/STISTV-AAS232.pptx
+++ b/STISTV-AAS232.pptx
@@ -197,7 +197,7 @@
           <a:p>
             <a:fld id="{F4BDADFF-9AB2-DB48-BD1A-FBD1CF4AFAFE}" type="datetimeFigureOut">
               <a:rPr lang="en-US" smtClean="0"/>
-              <a:t>5/21/18</a:t>
+              <a:t>5/23/18</a:t>
             </a:fld>
             <a:endParaRPr lang="en-US" dirty="0"/>
           </a:p>
@@ -704,7 +704,7 @@
           <a:p>
             <a:fld id="{332CC413-8379-874E-976B-1979310684A5}" type="datetimeFigureOut">
               <a:rPr lang="en-US" smtClean="0"/>
-              <a:t>5/21/18</a:t>
+              <a:t>5/23/18</a:t>
             </a:fld>
             <a:endParaRPr lang="en-US" dirty="0"/>
           </a:p>
@@ -874,7 +874,7 @@
           <a:p>
             <a:fld id="{332CC413-8379-874E-976B-1979310684A5}" type="datetimeFigureOut">
               <a:rPr lang="en-US" smtClean="0"/>
-              <a:t>5/21/18</a:t>
+              <a:t>5/23/18</a:t>
             </a:fld>
             <a:endParaRPr lang="en-US" dirty="0"/>
           </a:p>
@@ -1049,7 +1049,7 @@
           <a:p>
             <a:fld id="{332CC413-8379-874E-976B-1979310684A5}" type="datetimeFigureOut">
               <a:rPr lang="en-US" smtClean="0"/>
-              <a:t>5/21/18</a:t>
+              <a:t>5/23/18</a:t>
             </a:fld>
             <a:endParaRPr lang="en-US" dirty="0"/>
           </a:p>
@@ -1219,7 +1219,7 @@
           <a:p>
             <a:fld id="{332CC413-8379-874E-976B-1979310684A5}" type="datetimeFigureOut">
               <a:rPr lang="en-US" smtClean="0"/>
-              <a:t>5/21/18</a:t>
+              <a:t>5/23/18</a:t>
             </a:fld>
             <a:endParaRPr lang="en-US" dirty="0"/>
           </a:p>
@@ -1474,7 +1474,7 @@
           <a:p>
             <a:fld id="{332CC413-8379-874E-976B-1979310684A5}" type="datetimeFigureOut">
               <a:rPr lang="en-US" smtClean="0"/>
-              <a:t>5/21/18</a:t>
+              <a:t>5/23/18</a:t>
             </a:fld>
             <a:endParaRPr lang="en-US" dirty="0"/>
           </a:p>
@@ -1706,7 +1706,7 @@
           <a:p>
             <a:fld id="{332CC413-8379-874E-976B-1979310684A5}" type="datetimeFigureOut">
               <a:rPr lang="en-US" smtClean="0"/>
-              <a:t>5/21/18</a:t>
+              <a:t>5/23/18</a:t>
             </a:fld>
             <a:endParaRPr lang="en-US" dirty="0"/>
           </a:p>
@@ -2060,7 +2060,7 @@
           <a:p>
             <a:fld id="{332CC413-8379-874E-976B-1979310684A5}" type="datetimeFigureOut">
               <a:rPr lang="en-US" smtClean="0"/>
-              <a:t>5/21/18</a:t>
+              <a:t>5/23/18</a:t>
             </a:fld>
             <a:endParaRPr lang="en-US" dirty="0"/>
           </a:p>
@@ -2196,7 +2196,7 @@
           <a:p>
             <a:fld id="{332CC413-8379-874E-976B-1979310684A5}" type="datetimeFigureOut">
               <a:rPr lang="en-US" smtClean="0"/>
-              <a:t>5/21/18</a:t>
+              <a:t>5/23/18</a:t>
             </a:fld>
             <a:endParaRPr lang="en-US" dirty="0"/>
           </a:p>
@@ -2286,7 +2286,7 @@
           <a:p>
             <a:fld id="{332CC413-8379-874E-976B-1979310684A5}" type="datetimeFigureOut">
               <a:rPr lang="en-US" smtClean="0"/>
-              <a:t>5/21/18</a:t>
+              <a:t>5/23/18</a:t>
             </a:fld>
             <a:endParaRPr lang="en-US" dirty="0"/>
           </a:p>
@@ -2643,7 +2643,7 @@
           <a:p>
             <a:fld id="{332CC413-8379-874E-976B-1979310684A5}" type="datetimeFigureOut">
               <a:rPr lang="en-US" smtClean="0"/>
-              <a:t>5/21/18</a:t>
+              <a:t>5/23/18</a:t>
             </a:fld>
             <a:endParaRPr lang="en-US" dirty="0"/>
           </a:p>
@@ -3002,7 +3002,7 @@
           <a:p>
             <a:fld id="{332CC413-8379-874E-976B-1979310684A5}" type="datetimeFigureOut">
               <a:rPr lang="en-US" smtClean="0"/>
-              <a:t>5/21/18</a:t>
+              <a:t>5/23/18</a:t>
             </a:fld>
             <a:endParaRPr lang="en-US" dirty="0"/>
           </a:p>
@@ -3235,7 +3235,7 @@
           <a:p>
             <a:fld id="{332CC413-8379-874E-976B-1979310684A5}" type="datetimeFigureOut">
               <a:rPr lang="en-US" smtClean="0"/>
-              <a:t>5/21/18</a:t>
+              <a:t>5/23/18</a:t>
             </a:fld>
             <a:endParaRPr lang="en-US" dirty="0"/>
           </a:p>
@@ -4472,7 +4472,40 @@
                 <a:ea typeface="Helvetica" charset="0"/>
                 <a:cs typeface="Helvetica" charset="0"/>
               </a:rPr>
-              <a:t>Since July 2001, the Space Telescope Imaging Spectrograph (STIS) onboard the Hubble Space Telescope has operated on its Side-2 electronics due to a failure in the primary Side-1 electronics. While nearly identical, Side-2 lacks a functioning temperature sensor for the CCD, introducing a variability in the CCD operating temperature. Previous analysis utilized the CCD housing temperature telemetry to characterize the relationship between the housing temperature and the dark rate. It was found that a first-order 7%/</a:t>
+              <a:t>Since July 2001, the Space Telescope Imaging Spectrograph (STIS) onboard the Hubble Space Telescope has operated on its Side-2 electronics due to a failure </a:t>
+            </a:r>
+            <a:r>
+              <a:rPr lang="en-US" sz="2800" dirty="0" smtClean="0">
+                <a:solidFill>
+                  <a:schemeClr val="bg1"/>
+                </a:solidFill>
+                <a:latin typeface="Helvetica" charset="0"/>
+                <a:ea typeface="Helvetica" charset="0"/>
+                <a:cs typeface="Helvetica" charset="0"/>
+              </a:rPr>
+              <a:t>of</a:t>
+            </a:r>
+            <a:r>
+              <a:rPr lang="en-US" sz="2800" dirty="0" smtClean="0">
+                <a:solidFill>
+                  <a:schemeClr val="bg1"/>
+                </a:solidFill>
+                <a:latin typeface="Helvetica" charset="0"/>
+                <a:ea typeface="Helvetica" charset="0"/>
+                <a:cs typeface="Helvetica" charset="0"/>
+              </a:rPr>
+              <a:t> </a:t>
+            </a:r>
+            <a:r>
+              <a:rPr lang="en-US" sz="2800" dirty="0" smtClean="0">
+                <a:solidFill>
+                  <a:schemeClr val="bg1"/>
+                </a:solidFill>
+                <a:latin typeface="Helvetica" charset="0"/>
+                <a:ea typeface="Helvetica" charset="0"/>
+                <a:cs typeface="Helvetica" charset="0"/>
+              </a:rPr>
+              <a:t>the primary Side-1 electronics. While nearly identical, Side-2 lacks a functioning temperature sensor for the CCD, introducing a variability in the CCD operating temperature. Previous analysis utilized the CCD housing temperature telemetry to characterize the relationship between the housing temperature and the dark rate. It was found that a first-order 7%/</a:t>
             </a:r>
             <a:r>
               <a:rPr lang="it-IT" sz="2800" dirty="0" smtClean="0">
@@ -4889,7 +4922,29 @@
                 <a:ea typeface="Helvetica" charset="0"/>
                 <a:cs typeface="Helvetica" charset="0"/>
               </a:rPr>
-              <a:t>The time evolution of the scale value curve combined with the linear growth of the median dark rate over time indicates that the optimal first-order correction has changed in time.</a:t>
+              <a:t>The </a:t>
+            </a:r>
+            <a:r>
+              <a:rPr lang="en-US" sz="2400" dirty="0" smtClean="0">
+                <a:solidFill>
+                  <a:schemeClr val="bg1"/>
+                </a:solidFill>
+                <a:latin typeface="Helvetica" charset="0"/>
+                <a:ea typeface="Helvetica" charset="0"/>
+                <a:cs typeface="Helvetica" charset="0"/>
+              </a:rPr>
+              <a:t>time evolution </a:t>
+            </a:r>
+            <a:r>
+              <a:rPr lang="en-US" sz="2400" dirty="0" smtClean="0">
+                <a:solidFill>
+                  <a:schemeClr val="bg1"/>
+                </a:solidFill>
+                <a:latin typeface="Helvetica" charset="0"/>
+                <a:ea typeface="Helvetica" charset="0"/>
+                <a:cs typeface="Helvetica" charset="0"/>
+              </a:rPr>
+              <a:t>of the scale value curve combined with the linear growth of the median dark rate over time indicates that the optimal first-order correction has changed in time.</a:t>
             </a:r>
             <a:endParaRPr lang="en-US" sz="2400" dirty="0">
               <a:solidFill>
@@ -5346,10 +5401,10 @@
                 <a:ea typeface="Helvetica" charset="0"/>
                 <a:cs typeface="Helvetica" charset="0"/>
               </a:rPr>
-              <a:t>Temperature correction methods can be compared by using the method to scale a </a:t>
-            </a:r>
-            <a:r>
-              <a:rPr lang="en-US" sz="2400" dirty="0" err="1" smtClean="0">
+              <a:t>Temperature correction methods can be compared by </a:t>
+            </a:r>
+            <a:r>
+              <a:rPr lang="en-US" sz="2400" dirty="0" smtClean="0">
                 <a:solidFill>
                   <a:schemeClr val="bg1"/>
                 </a:solidFill>
@@ -5357,7 +5412,7 @@
                 <a:ea typeface="Helvetica" charset="0"/>
                 <a:cs typeface="Helvetica" charset="0"/>
               </a:rPr>
-              <a:t>superdark</a:t>
+              <a:t>using each method </a:t>
             </a:r>
             <a:r>
               <a:rPr lang="en-US" sz="2400" dirty="0" smtClean="0">
@@ -5368,7 +5423,51 @@
                 <a:ea typeface="Helvetica" charset="0"/>
                 <a:cs typeface="Helvetica" charset="0"/>
               </a:rPr>
-              <a:t> to the temperature of a “science” dark. The magnitude of the residual is a measurement of the error in the temperature scaling method. Overall, the second-order method removes 1%/°C more dark current than the first-order method.</a:t>
+              <a:t>to scale a </a:t>
+            </a:r>
+            <a:r>
+              <a:rPr lang="en-US" sz="2400" dirty="0" smtClean="0">
+                <a:solidFill>
+                  <a:schemeClr val="bg1"/>
+                </a:solidFill>
+                <a:latin typeface="Helvetica" charset="0"/>
+                <a:ea typeface="Helvetica" charset="0"/>
+                <a:cs typeface="Helvetica" charset="0"/>
+              </a:rPr>
+              <a:t>super-dark </a:t>
+            </a:r>
+            <a:r>
+              <a:rPr lang="en-US" sz="2400" dirty="0" smtClean="0">
+                <a:solidFill>
+                  <a:schemeClr val="bg1"/>
+                </a:solidFill>
+                <a:latin typeface="Helvetica" charset="0"/>
+                <a:ea typeface="Helvetica" charset="0"/>
+                <a:cs typeface="Helvetica" charset="0"/>
+              </a:rPr>
+              <a:t>to the temperature of a “science” dark. The magnitude of the residual is a measurement of the error in the temperature scaling method. Overall, the second-order method removes </a:t>
+            </a:r>
+            <a:r>
+              <a:rPr lang="en-US" sz="2400" dirty="0" smtClean="0">
+                <a:solidFill>
+                  <a:schemeClr val="bg1"/>
+                </a:solidFill>
+                <a:latin typeface="Helvetica" charset="0"/>
+                <a:ea typeface="Helvetica" charset="0"/>
+                <a:cs typeface="Helvetica" charset="0"/>
+              </a:rPr>
+              <a:t>~1</a:t>
+            </a:r>
+            <a:r>
+              <a:rPr lang="en-US" sz="2400" dirty="0" smtClean="0">
+                <a:solidFill>
+                  <a:schemeClr val="bg1"/>
+                </a:solidFill>
+                <a:latin typeface="Helvetica" charset="0"/>
+                <a:ea typeface="Helvetica" charset="0"/>
+                <a:cs typeface="Helvetica" charset="0"/>
+              </a:rPr>
+              <a:t>%/°C more dark current than the first-order method.</a:t>
             </a:r>
             <a:r>
               <a:rPr lang="en-US" sz="2400" noProof="1" smtClean="0">
@@ -5452,29 +5551,7 @@
                 <a:ea typeface="Helvetica" charset="0"/>
                 <a:cs typeface="Helvetica" charset="0"/>
               </a:rPr>
-              <a:t>performance </a:t>
-            </a:r>
-            <a:r>
-              <a:rPr lang="en-US" sz="2400" smtClean="0">
-                <a:solidFill>
-                  <a:schemeClr val="bg1"/>
-                </a:solidFill>
-                <a:latin typeface="Helvetica" charset="0"/>
-                <a:ea typeface="Helvetica" charset="0"/>
-                <a:cs typeface="Helvetica" charset="0"/>
-              </a:rPr>
-              <a:t>benefit</a:t>
-            </a:r>
-            <a:r>
-              <a:rPr lang="en-US" sz="2400" smtClean="0">
-                <a:solidFill>
-                  <a:schemeClr val="bg1"/>
-                </a:solidFill>
-                <a:latin typeface="Helvetica" charset="0"/>
-                <a:ea typeface="Helvetica" charset="0"/>
-                <a:cs typeface="Helvetica" charset="0"/>
-              </a:rPr>
-              <a:t> </a:t>
+              <a:t>performance benefit </a:t>
             </a:r>
             <a:r>
               <a:rPr lang="en-US" sz="2400" dirty="0" smtClean="0">
@@ -5540,8 +5617,38 @@
                 <a:ea typeface="Helvetica" charset="0"/>
                 <a:cs typeface="Helvetica" charset="0"/>
               </a:rPr>
-              <a:t>This Analysis will be detailed in an upcoming STIS Instrument Science Report.</a:t>
-            </a:r>
+              <a:t>This Analysis will be detailed in an upcoming STIS Instrument Science </a:t>
+            </a:r>
+            <a:r>
+              <a:rPr lang="en-US" sz="2400" smtClean="0">
+                <a:solidFill>
+                  <a:schemeClr val="bg1"/>
+                </a:solidFill>
+                <a:latin typeface="Helvetica" charset="0"/>
+                <a:ea typeface="Helvetica" charset="0"/>
+                <a:cs typeface="Helvetica" charset="0"/>
+              </a:rPr>
+              <a:t>Report</a:t>
+            </a:r>
+            <a:r>
+              <a:rPr lang="en-US" sz="2400" smtClean="0">
+                <a:solidFill>
+                  <a:schemeClr val="bg1"/>
+                </a:solidFill>
+                <a:latin typeface="Helvetica" charset="0"/>
+                <a:ea typeface="Helvetica" charset="0"/>
+                <a:cs typeface="Helvetica" charset="0"/>
+              </a:rPr>
+              <a:t>.</a:t>
+            </a:r>
+            <a:endParaRPr lang="en-US" sz="2400" dirty="0" smtClean="0">
+              <a:solidFill>
+                <a:schemeClr val="bg1"/>
+              </a:solidFill>
+              <a:latin typeface="Helvetica" charset="0"/>
+              <a:ea typeface="Helvetica" charset="0"/>
+              <a:cs typeface="Helvetica" charset="0"/>
+            </a:endParaRPr>
           </a:p>
           <a:p>
             <a:r>
@@ -5666,7 +5773,18 @@
                 <a:ea typeface="Helvetica" charset="0"/>
                 <a:cs typeface="Helvetica" charset="0"/>
               </a:rPr>
-              <a:t>Questions?: </a:t>
+              <a:t>Questions</a:t>
+            </a:r>
+            <a:r>
+              <a:rPr lang="en-US" sz="2400" b="1" dirty="0" smtClean="0">
+                <a:solidFill>
+                  <a:schemeClr val="bg1"/>
+                </a:solidFill>
+                <a:latin typeface="Helvetica" charset="0"/>
+                <a:ea typeface="Helvetica" charset="0"/>
+                <a:cs typeface="Helvetica" charset="0"/>
+              </a:rPr>
+              <a:t>?: </a:t>
             </a:r>
             <a:r>
               <a:rPr lang="en-US" sz="2400" dirty="0" smtClean="0">

--- a/STISTV-AAS232.pptx
+++ b/STISTV-AAS232.pptx
@@ -197,7 +197,7 @@
           <a:p>
             <a:fld id="{F4BDADFF-9AB2-DB48-BD1A-FBD1CF4AFAFE}" type="datetimeFigureOut">
               <a:rPr lang="en-US" smtClean="0"/>
-              <a:t>5/23/18</a:t>
+              <a:t>5/29/18</a:t>
             </a:fld>
             <a:endParaRPr lang="en-US" dirty="0"/>
           </a:p>
@@ -704,7 +704,7 @@
           <a:p>
             <a:fld id="{332CC413-8379-874E-976B-1979310684A5}" type="datetimeFigureOut">
               <a:rPr lang="en-US" smtClean="0"/>
-              <a:t>5/23/18</a:t>
+              <a:t>5/29/18</a:t>
             </a:fld>
             <a:endParaRPr lang="en-US" dirty="0"/>
           </a:p>
@@ -874,7 +874,7 @@
           <a:p>
             <a:fld id="{332CC413-8379-874E-976B-1979310684A5}" type="datetimeFigureOut">
               <a:rPr lang="en-US" smtClean="0"/>
-              <a:t>5/23/18</a:t>
+              <a:t>5/29/18</a:t>
             </a:fld>
             <a:endParaRPr lang="en-US" dirty="0"/>
           </a:p>
@@ -1049,7 +1049,7 @@
           <a:p>
             <a:fld id="{332CC413-8379-874E-976B-1979310684A5}" type="datetimeFigureOut">
               <a:rPr lang="en-US" smtClean="0"/>
-              <a:t>5/23/18</a:t>
+              <a:t>5/29/18</a:t>
             </a:fld>
             <a:endParaRPr lang="en-US" dirty="0"/>
           </a:p>
@@ -1219,7 +1219,7 @@
           <a:p>
             <a:fld id="{332CC413-8379-874E-976B-1979310684A5}" type="datetimeFigureOut">
               <a:rPr lang="en-US" smtClean="0"/>
-              <a:t>5/23/18</a:t>
+              <a:t>5/29/18</a:t>
             </a:fld>
             <a:endParaRPr lang="en-US" dirty="0"/>
           </a:p>
@@ -1474,7 +1474,7 @@
           <a:p>
             <a:fld id="{332CC413-8379-874E-976B-1979310684A5}" type="datetimeFigureOut">
               <a:rPr lang="en-US" smtClean="0"/>
-              <a:t>5/23/18</a:t>
+              <a:t>5/29/18</a:t>
             </a:fld>
             <a:endParaRPr lang="en-US" dirty="0"/>
           </a:p>
@@ -1706,7 +1706,7 @@
           <a:p>
             <a:fld id="{332CC413-8379-874E-976B-1979310684A5}" type="datetimeFigureOut">
               <a:rPr lang="en-US" smtClean="0"/>
-              <a:t>5/23/18</a:t>
+              <a:t>5/29/18</a:t>
             </a:fld>
             <a:endParaRPr lang="en-US" dirty="0"/>
           </a:p>
@@ -2060,7 +2060,7 @@
           <a:p>
             <a:fld id="{332CC413-8379-874E-976B-1979310684A5}" type="datetimeFigureOut">
               <a:rPr lang="en-US" smtClean="0"/>
-              <a:t>5/23/18</a:t>
+              <a:t>5/29/18</a:t>
             </a:fld>
             <a:endParaRPr lang="en-US" dirty="0"/>
           </a:p>
@@ -2196,7 +2196,7 @@
           <a:p>
             <a:fld id="{332CC413-8379-874E-976B-1979310684A5}" type="datetimeFigureOut">
               <a:rPr lang="en-US" smtClean="0"/>
-              <a:t>5/23/18</a:t>
+              <a:t>5/29/18</a:t>
             </a:fld>
             <a:endParaRPr lang="en-US" dirty="0"/>
           </a:p>
@@ -2286,7 +2286,7 @@
           <a:p>
             <a:fld id="{332CC413-8379-874E-976B-1979310684A5}" type="datetimeFigureOut">
               <a:rPr lang="en-US" smtClean="0"/>
-              <a:t>5/23/18</a:t>
+              <a:t>5/29/18</a:t>
             </a:fld>
             <a:endParaRPr lang="en-US" dirty="0"/>
           </a:p>
@@ -2643,7 +2643,7 @@
           <a:p>
             <a:fld id="{332CC413-8379-874E-976B-1979310684A5}" type="datetimeFigureOut">
               <a:rPr lang="en-US" smtClean="0"/>
-              <a:t>5/23/18</a:t>
+              <a:t>5/29/18</a:t>
             </a:fld>
             <a:endParaRPr lang="en-US" dirty="0"/>
           </a:p>
@@ -3002,7 +3002,7 @@
           <a:p>
             <a:fld id="{332CC413-8379-874E-976B-1979310684A5}" type="datetimeFigureOut">
               <a:rPr lang="en-US" smtClean="0"/>
-              <a:t>5/23/18</a:t>
+              <a:t>5/29/18</a:t>
             </a:fld>
             <a:endParaRPr lang="en-US" dirty="0"/>
           </a:p>
@@ -3235,7 +3235,7 @@
           <a:p>
             <a:fld id="{332CC413-8379-874E-976B-1979310684A5}" type="datetimeFigureOut">
               <a:rPr lang="en-US" smtClean="0"/>
-              <a:t>5/23/18</a:t>
+              <a:t>5/29/18</a:t>
             </a:fld>
             <a:endParaRPr lang="en-US" dirty="0"/>
           </a:p>
@@ -3938,8 +3938,8 @@
         </p:nvSpPr>
         <p:spPr>
           <a:xfrm>
-            <a:off x="496553" y="10656535"/>
-            <a:ext cx="38332789" cy="7847857"/>
+            <a:off x="440789" y="10656535"/>
+            <a:ext cx="38388553" cy="7847857"/>
           </a:xfrm>
           <a:prstGeom prst="rect">
             <a:avLst/>
@@ -4472,40 +4472,7 @@
                 <a:ea typeface="Helvetica" charset="0"/>
                 <a:cs typeface="Helvetica" charset="0"/>
               </a:rPr>
-              <a:t>Since July 2001, the Space Telescope Imaging Spectrograph (STIS) onboard the Hubble Space Telescope has operated on its Side-2 electronics due to a failure </a:t>
-            </a:r>
-            <a:r>
-              <a:rPr lang="en-US" sz="2800" dirty="0" smtClean="0">
-                <a:solidFill>
-                  <a:schemeClr val="bg1"/>
-                </a:solidFill>
-                <a:latin typeface="Helvetica" charset="0"/>
-                <a:ea typeface="Helvetica" charset="0"/>
-                <a:cs typeface="Helvetica" charset="0"/>
-              </a:rPr>
-              <a:t>of</a:t>
-            </a:r>
-            <a:r>
-              <a:rPr lang="en-US" sz="2800" dirty="0" smtClean="0">
-                <a:solidFill>
-                  <a:schemeClr val="bg1"/>
-                </a:solidFill>
-                <a:latin typeface="Helvetica" charset="0"/>
-                <a:ea typeface="Helvetica" charset="0"/>
-                <a:cs typeface="Helvetica" charset="0"/>
-              </a:rPr>
-              <a:t> </a:t>
-            </a:r>
-            <a:r>
-              <a:rPr lang="en-US" sz="2800" dirty="0" smtClean="0">
-                <a:solidFill>
-                  <a:schemeClr val="bg1"/>
-                </a:solidFill>
-                <a:latin typeface="Helvetica" charset="0"/>
-                <a:ea typeface="Helvetica" charset="0"/>
-                <a:cs typeface="Helvetica" charset="0"/>
-              </a:rPr>
-              <a:t>the primary Side-1 electronics. While nearly identical, Side-2 lacks a functioning temperature sensor for the CCD, introducing a variability in the CCD operating temperature. Previous analysis utilized the CCD housing temperature telemetry to characterize the relationship between the housing temperature and the dark rate. It was found that a first-order 7%/</a:t>
+              <a:t>Since July 2001, the Space Telescope Imaging Spectrograph (STIS) onboard the Hubble Space Telescope has operated on its Side-2 electronics due to a failure of the primary Side-1 electronics. While nearly identical, Side-2 lacks a functioning temperature sensor for the CCD, introducing a variability in the CCD operating temperature. Previous analysis utilized the CCD housing temperature telemetry to characterize the relationship between the housing temperature and the dark rate. It was found that a first-order 7%/</a:t>
             </a:r>
             <a:r>
               <a:rPr lang="it-IT" sz="2800" dirty="0" smtClean="0">
@@ -4922,29 +4889,7 @@
                 <a:ea typeface="Helvetica" charset="0"/>
                 <a:cs typeface="Helvetica" charset="0"/>
               </a:rPr>
-              <a:t>The </a:t>
-            </a:r>
-            <a:r>
-              <a:rPr lang="en-US" sz="2400" dirty="0" smtClean="0">
-                <a:solidFill>
-                  <a:schemeClr val="bg1"/>
-                </a:solidFill>
-                <a:latin typeface="Helvetica" charset="0"/>
-                <a:ea typeface="Helvetica" charset="0"/>
-                <a:cs typeface="Helvetica" charset="0"/>
-              </a:rPr>
-              <a:t>time evolution </a:t>
-            </a:r>
-            <a:r>
-              <a:rPr lang="en-US" sz="2400" dirty="0" smtClean="0">
-                <a:solidFill>
-                  <a:schemeClr val="bg1"/>
-                </a:solidFill>
-                <a:latin typeface="Helvetica" charset="0"/>
-                <a:ea typeface="Helvetica" charset="0"/>
-                <a:cs typeface="Helvetica" charset="0"/>
-              </a:rPr>
-              <a:t>of the scale value curve combined with the linear growth of the median dark rate over time indicates that the optimal first-order correction has changed in time.</a:t>
+              <a:t>The time evolution of the scale value curve combined with the linear growth of the median dark rate over time indicates that the optimal first-order correction has changed in time.</a:t>
             </a:r>
             <a:endParaRPr lang="en-US" sz="2400" dirty="0">
               <a:solidFill>
@@ -5401,73 +5346,7 @@
                 <a:ea typeface="Helvetica" charset="0"/>
                 <a:cs typeface="Helvetica" charset="0"/>
               </a:rPr>
-              <a:t>Temperature correction methods can be compared by </a:t>
-            </a:r>
-            <a:r>
-              <a:rPr lang="en-US" sz="2400" dirty="0" smtClean="0">
-                <a:solidFill>
-                  <a:schemeClr val="bg1"/>
-                </a:solidFill>
-                <a:latin typeface="Helvetica" charset="0"/>
-                <a:ea typeface="Helvetica" charset="0"/>
-                <a:cs typeface="Helvetica" charset="0"/>
-              </a:rPr>
-              <a:t>using each method </a:t>
-            </a:r>
-            <a:r>
-              <a:rPr lang="en-US" sz="2400" dirty="0" smtClean="0">
-                <a:solidFill>
-                  <a:schemeClr val="bg1"/>
-                </a:solidFill>
-                <a:latin typeface="Helvetica" charset="0"/>
-                <a:ea typeface="Helvetica" charset="0"/>
-                <a:cs typeface="Helvetica" charset="0"/>
-              </a:rPr>
-              <a:t>to scale a </a:t>
-            </a:r>
-            <a:r>
-              <a:rPr lang="en-US" sz="2400" dirty="0" smtClean="0">
-                <a:solidFill>
-                  <a:schemeClr val="bg1"/>
-                </a:solidFill>
-                <a:latin typeface="Helvetica" charset="0"/>
-                <a:ea typeface="Helvetica" charset="0"/>
-                <a:cs typeface="Helvetica" charset="0"/>
-              </a:rPr>
-              <a:t>super-dark </a:t>
-            </a:r>
-            <a:r>
-              <a:rPr lang="en-US" sz="2400" dirty="0" smtClean="0">
-                <a:solidFill>
-                  <a:schemeClr val="bg1"/>
-                </a:solidFill>
-                <a:latin typeface="Helvetica" charset="0"/>
-                <a:ea typeface="Helvetica" charset="0"/>
-                <a:cs typeface="Helvetica" charset="0"/>
-              </a:rPr>
-              <a:t>to the temperature of a “science” dark. The magnitude of the residual is a measurement of the error in the temperature scaling method. Overall, the second-order method removes </a:t>
-            </a:r>
-            <a:r>
-              <a:rPr lang="en-US" sz="2400" dirty="0" smtClean="0">
-                <a:solidFill>
-                  <a:schemeClr val="bg1"/>
-                </a:solidFill>
-                <a:latin typeface="Helvetica" charset="0"/>
-                <a:ea typeface="Helvetica" charset="0"/>
-                <a:cs typeface="Helvetica" charset="0"/>
-              </a:rPr>
-              <a:t>~1</a:t>
-            </a:r>
-            <a:r>
-              <a:rPr lang="en-US" sz="2400" dirty="0" smtClean="0">
-                <a:solidFill>
-                  <a:schemeClr val="bg1"/>
-                </a:solidFill>
-                <a:latin typeface="Helvetica" charset="0"/>
-                <a:ea typeface="Helvetica" charset="0"/>
-                <a:cs typeface="Helvetica" charset="0"/>
-              </a:rPr>
-              <a:t>%/°C more dark current than the first-order method.</a:t>
+              <a:t>Temperature correction methods can be compared by using each method to scale a super-dark to the temperature of a “science” dark. The magnitude of the residual is a measurement of the error in the temperature scaling method. Overall, the second-order method removes ~1%/°C more dark current than the first-order method.</a:t>
             </a:r>
             <a:r>
               <a:rPr lang="en-US" sz="2400" noProof="1" smtClean="0">
@@ -5617,38 +5496,8 @@
                 <a:ea typeface="Helvetica" charset="0"/>
                 <a:cs typeface="Helvetica" charset="0"/>
               </a:rPr>
-              <a:t>This Analysis will be detailed in an upcoming STIS Instrument Science </a:t>
-            </a:r>
-            <a:r>
-              <a:rPr lang="en-US" sz="2400" smtClean="0">
-                <a:solidFill>
-                  <a:schemeClr val="bg1"/>
-                </a:solidFill>
-                <a:latin typeface="Helvetica" charset="0"/>
-                <a:ea typeface="Helvetica" charset="0"/>
-                <a:cs typeface="Helvetica" charset="0"/>
-              </a:rPr>
-              <a:t>Report</a:t>
-            </a:r>
-            <a:r>
-              <a:rPr lang="en-US" sz="2400" smtClean="0">
-                <a:solidFill>
-                  <a:schemeClr val="bg1"/>
-                </a:solidFill>
-                <a:latin typeface="Helvetica" charset="0"/>
-                <a:ea typeface="Helvetica" charset="0"/>
-                <a:cs typeface="Helvetica" charset="0"/>
-              </a:rPr>
-              <a:t>.</a:t>
-            </a:r>
-            <a:endParaRPr lang="en-US" sz="2400" dirty="0" smtClean="0">
-              <a:solidFill>
-                <a:schemeClr val="bg1"/>
-              </a:solidFill>
-              <a:latin typeface="Helvetica" charset="0"/>
-              <a:ea typeface="Helvetica" charset="0"/>
-              <a:cs typeface="Helvetica" charset="0"/>
-            </a:endParaRPr>
+              <a:t>This Analysis will be detailed in an upcoming STIS Instrument Science Report.</a:t>
+            </a:r>
           </a:p>
           <a:p>
             <a:r>
@@ -5694,10 +5543,19 @@
                 <a:ea typeface="Helvetica" charset="0"/>
                 <a:cs typeface="Helvetica" charset="0"/>
               </a:rPr>
-              <a:t>STIS ISR: “Performance of the STIS CCD Dark Rate Temperature Correction”, Branton, 2018 (in review)</a:t>
-            </a:r>
-          </a:p>
-          <a:p>
+              <a:t>STIS ISR: “Performance of the STIS CCD Dark Rate Temperature Correction”, Branton, 2018 (in review</a:t>
+            </a:r>
+            <a:r>
+              <a:rPr lang="en-US" sz="2400" dirty="0" smtClean="0">
+                <a:solidFill>
+                  <a:schemeClr val="bg1"/>
+                </a:solidFill>
+                <a:latin typeface="Helvetica" charset="0"/>
+                <a:ea typeface="Helvetica" charset="0"/>
+                <a:cs typeface="Helvetica" charset="0"/>
+              </a:rPr>
+              <a:t>)</a:t>
+            </a:r>
             <a:endParaRPr lang="en-US" sz="2400" b="1" dirty="0">
               <a:solidFill>
                 <a:schemeClr val="bg1"/>
@@ -5773,18 +5631,7 @@
                 <a:ea typeface="Helvetica" charset="0"/>
                 <a:cs typeface="Helvetica" charset="0"/>
               </a:rPr>
-              <a:t>Questions</a:t>
-            </a:r>
-            <a:r>
-              <a:rPr lang="en-US" sz="2400" b="1" dirty="0" smtClean="0">
-                <a:solidFill>
-                  <a:schemeClr val="bg1"/>
-                </a:solidFill>
-                <a:latin typeface="Helvetica" charset="0"/>
-                <a:ea typeface="Helvetica" charset="0"/>
-                <a:cs typeface="Helvetica" charset="0"/>
-              </a:rPr>
-              <a:t>?: </a:t>
+              <a:t>Questions? Want to be put on the STIS mailing lists?: </a:t>
             </a:r>
             <a:r>
               <a:rPr lang="en-US" sz="2400" dirty="0" smtClean="0">
